--- a/Admin_System.pptx
+++ b/Admin_System.pptx
@@ -5,7 +5,7 @@
     <p:sldMasterId id="2147483648" r:id="rId1"/>
   </p:sldMasterIdLst>
   <p:notesMasterIdLst>
-    <p:notesMasterId r:id="rId28"/>
+    <p:notesMasterId r:id="rId26"/>
   </p:notesMasterIdLst>
   <p:sldIdLst>
     <p:sldId id="256" r:id="rId2"/>
@@ -32,8 +32,6 @@
     <p:sldId id="272" r:id="rId23"/>
     <p:sldId id="273" r:id="rId24"/>
     <p:sldId id="275" r:id="rId25"/>
-    <p:sldId id="276" r:id="rId26"/>
-    <p:sldId id="277" r:id="rId27"/>
   </p:sldIdLst>
   <p:sldSz cx="12192000" cy="6858000"/>
   <p:notesSz cx="6858000" cy="9144000"/>
@@ -10412,526 +10410,6 @@
       </p:par>
     </p:tnLst>
   </p:timing>
-</p:sld>
-</file>
-
-<file path=ppt/slides/slide25.xml><?xml version="1.0" encoding="utf-8"?>
-<p:sld xmlns:a="http://schemas.openxmlformats.org/drawingml/2006/main" xmlns:r="http://schemas.openxmlformats.org/officeDocument/2006/relationships" xmlns:p="http://schemas.openxmlformats.org/presentationml/2006/main">
-  <p:cSld>
-    <p:spTree>
-      <p:nvGrpSpPr>
-        <p:cNvPr id="1" name=""/>
-        <p:cNvGrpSpPr/>
-        <p:nvPr/>
-      </p:nvGrpSpPr>
-      <p:grpSpPr>
-        <a:xfrm>
-          <a:off x="0" y="0"/>
-          <a:ext cx="0" cy="0"/>
-          <a:chOff x="0" y="0"/>
-          <a:chExt cx="0" cy="0"/>
-        </a:xfrm>
-      </p:grpSpPr>
-      <p:sp>
-        <p:nvSpPr>
-          <p:cNvPr id="4" name="TextBox 3"/>
-          <p:cNvSpPr txBox="1"/>
-          <p:nvPr/>
-        </p:nvSpPr>
-        <p:spPr>
-          <a:xfrm>
-            <a:off x="219075" y="161925"/>
-            <a:ext cx="9363075" cy="6370975"/>
-          </a:xfrm>
-          <a:prstGeom prst="rect">
-            <a:avLst/>
-          </a:prstGeom>
-          <a:noFill/>
-        </p:spPr>
-        <p:txBody>
-          <a:bodyPr wrap="square" rtlCol="0">
-            <a:spAutoFit/>
-          </a:bodyPr>
-          <a:lstStyle/>
-          <a:p>
-            <a:r>
-              <a:rPr lang="en-US" altLang="ko-KR" sz="2400" dirty="0" smtClean="0"/>
-              <a:t>MAIN Page </a:t>
-            </a:r>
-            <a:r>
-              <a:rPr lang="ko-KR" altLang="en-US" sz="2400" dirty="0" smtClean="0"/>
-              <a:t>구성</a:t>
-            </a:r>
-            <a:endParaRPr lang="en-US" altLang="ko-KR" sz="2400" dirty="0" smtClean="0"/>
-          </a:p>
-          <a:p>
-            <a:endParaRPr lang="en-US" altLang="ko-KR" sz="2400" dirty="0"/>
-          </a:p>
-          <a:p>
-            <a:r>
-              <a:rPr lang="en-US" altLang="ko-KR" sz="2400" dirty="0"/>
-              <a:t> </a:t>
-            </a:r>
-            <a:r>
-              <a:rPr lang="en-US" altLang="ko-KR" sz="2400" dirty="0" smtClean="0"/>
-              <a:t>- </a:t>
-            </a:r>
-            <a:r>
-              <a:rPr lang="en-US" altLang="ko-KR" sz="2400" dirty="0" err="1" smtClean="0"/>
-              <a:t>index.jsp</a:t>
-            </a:r>
-            <a:endParaRPr lang="en-US" altLang="ko-KR" sz="2400" dirty="0" smtClean="0"/>
-          </a:p>
-          <a:p>
-            <a:r>
-              <a:rPr lang="en-US" altLang="ko-KR" sz="2400" dirty="0"/>
-              <a:t>   </a:t>
-            </a:r>
-            <a:r>
-              <a:rPr lang="en-US" altLang="ko-KR" sz="2400" dirty="0" smtClean="0"/>
-              <a:t>top.html : </a:t>
-            </a:r>
-            <a:r>
-              <a:rPr lang="ko-KR" altLang="en-US" sz="2400" dirty="0" err="1" smtClean="0"/>
-              <a:t>최상단</a:t>
-            </a:r>
-            <a:r>
-              <a:rPr lang="ko-KR" altLang="en-US" sz="2400" dirty="0" smtClean="0"/>
-              <a:t> 배너</a:t>
-            </a:r>
-            <a:r>
-              <a:rPr lang="en-US" altLang="ko-KR" sz="2400" dirty="0" smtClean="0"/>
-              <a:t>, </a:t>
-            </a:r>
-            <a:r>
-              <a:rPr lang="ko-KR" altLang="en-US" sz="2400" dirty="0" err="1" smtClean="0"/>
-              <a:t>대메뉴</a:t>
-            </a:r>
-            <a:r>
-              <a:rPr lang="en-US" altLang="ko-KR" sz="2400" dirty="0" smtClean="0"/>
-              <a:t>, </a:t>
-            </a:r>
-            <a:r>
-              <a:rPr lang="ko-KR" altLang="en-US" sz="2400" dirty="0" smtClean="0"/>
-              <a:t>회원가입</a:t>
-            </a:r>
-            <a:r>
-              <a:rPr lang="en-US" altLang="ko-KR" sz="2400" dirty="0" smtClean="0"/>
-              <a:t>, </a:t>
-            </a:r>
-            <a:r>
-              <a:rPr lang="ko-KR" altLang="en-US" sz="2400" dirty="0" smtClean="0"/>
-              <a:t>로그인</a:t>
-            </a:r>
-            <a:endParaRPr lang="en-US" altLang="ko-KR" sz="2400" dirty="0" smtClean="0"/>
-          </a:p>
-          <a:p>
-            <a:r>
-              <a:rPr lang="en-US" altLang="ko-KR" sz="2400" dirty="0"/>
-              <a:t> </a:t>
-            </a:r>
-            <a:r>
-              <a:rPr lang="en-US" altLang="ko-KR" sz="2400" dirty="0" smtClean="0"/>
-              <a:t>  banner.html : </a:t>
-            </a:r>
-            <a:r>
-              <a:rPr lang="ko-KR" altLang="en-US" sz="2400" dirty="0" err="1" smtClean="0"/>
-              <a:t>배너출력</a:t>
-            </a:r>
-            <a:r>
-              <a:rPr lang="ko-KR" altLang="en-US" sz="2400" dirty="0" smtClean="0"/>
-              <a:t> 파트</a:t>
-            </a:r>
-            <a:endParaRPr lang="en-US" altLang="ko-KR" sz="2400" dirty="0" smtClean="0"/>
-          </a:p>
-          <a:p>
-            <a:r>
-              <a:rPr lang="en-US" altLang="ko-KR" sz="2400" dirty="0"/>
-              <a:t> </a:t>
-            </a:r>
-            <a:r>
-              <a:rPr lang="en-US" altLang="ko-KR" sz="2400" dirty="0" smtClean="0"/>
-              <a:t>  collection.html : MD </a:t>
-            </a:r>
-            <a:r>
-              <a:rPr lang="ko-KR" altLang="en-US" sz="2400" dirty="0" smtClean="0"/>
-              <a:t>추천 상품 리스트 </a:t>
-            </a:r>
-            <a:r>
-              <a:rPr lang="en-US" altLang="ko-KR" sz="2400" dirty="0" smtClean="0"/>
-              <a:t>(12</a:t>
-            </a:r>
-            <a:r>
-              <a:rPr lang="ko-KR" altLang="en-US" sz="2400" dirty="0" smtClean="0"/>
-              <a:t>개</a:t>
-            </a:r>
-            <a:r>
-              <a:rPr lang="en-US" altLang="ko-KR" sz="2400" dirty="0" smtClean="0"/>
-              <a:t>) – 1</a:t>
-            </a:r>
-            <a:r>
-              <a:rPr lang="ko-KR" altLang="en-US" sz="2400" dirty="0" smtClean="0"/>
-              <a:t>줄 </a:t>
-            </a:r>
-            <a:r>
-              <a:rPr lang="en-US" altLang="ko-KR" sz="2400" dirty="0" smtClean="0"/>
-              <a:t>4EA</a:t>
-            </a:r>
-          </a:p>
-          <a:p>
-            <a:r>
-              <a:rPr lang="en-US" altLang="ko-KR" sz="2400" dirty="0"/>
-              <a:t> </a:t>
-            </a:r>
-            <a:r>
-              <a:rPr lang="en-US" altLang="ko-KR" sz="2400" dirty="0" smtClean="0"/>
-              <a:t>  av1.html : </a:t>
-            </a:r>
-            <a:r>
-              <a:rPr lang="ko-KR" altLang="en-US" sz="2400" dirty="0" err="1" smtClean="0"/>
-              <a:t>메인페이지</a:t>
-            </a:r>
-            <a:r>
-              <a:rPr lang="ko-KR" altLang="en-US" sz="2400" dirty="0" smtClean="0"/>
-              <a:t> 신규 상품 홍보 부분</a:t>
-            </a:r>
-            <a:endParaRPr lang="en-US" altLang="ko-KR" sz="2400" dirty="0" smtClean="0"/>
-          </a:p>
-          <a:p>
-            <a:r>
-              <a:rPr lang="en-US" altLang="ko-KR" sz="2400" dirty="0"/>
-              <a:t>  </a:t>
-            </a:r>
-            <a:r>
-              <a:rPr lang="en-US" altLang="ko-KR" sz="2400" dirty="0" smtClean="0"/>
-              <a:t> av2.html : </a:t>
-            </a:r>
-            <a:r>
-              <a:rPr lang="ko-KR" altLang="en-US" sz="2400" dirty="0" smtClean="0"/>
-              <a:t>메인 및 서브페이지 홍보 상품 부분</a:t>
-            </a:r>
-            <a:endParaRPr lang="en-US" altLang="ko-KR" sz="2400" dirty="0" smtClean="0"/>
-          </a:p>
-          <a:p>
-            <a:r>
-              <a:rPr lang="en-US" altLang="ko-KR" sz="2400" dirty="0"/>
-              <a:t> </a:t>
-            </a:r>
-            <a:r>
-              <a:rPr lang="en-US" altLang="ko-KR" sz="2400" dirty="0" smtClean="0"/>
-              <a:t>  newproduct.html : </a:t>
-            </a:r>
-            <a:r>
-              <a:rPr lang="ko-KR" altLang="en-US" sz="2400" dirty="0" err="1" smtClean="0"/>
-              <a:t>신규상품</a:t>
-            </a:r>
-            <a:r>
-              <a:rPr lang="ko-KR" altLang="en-US" sz="2400" dirty="0" smtClean="0"/>
-              <a:t> 출력 </a:t>
-            </a:r>
-            <a:r>
-              <a:rPr lang="en-US" altLang="ko-KR" sz="2400" dirty="0" smtClean="0"/>
-              <a:t>(12</a:t>
-            </a:r>
-            <a:r>
-              <a:rPr lang="ko-KR" altLang="en-US" sz="2400" dirty="0" smtClean="0"/>
-              <a:t>개</a:t>
-            </a:r>
-            <a:r>
-              <a:rPr lang="en-US" altLang="ko-KR" sz="2400" dirty="0" smtClean="0"/>
-              <a:t>) – 1</a:t>
-            </a:r>
-            <a:r>
-              <a:rPr lang="ko-KR" altLang="en-US" sz="2400" dirty="0" smtClean="0"/>
-              <a:t>줄 </a:t>
-            </a:r>
-            <a:r>
-              <a:rPr lang="en-US" altLang="ko-KR" sz="2400" dirty="0" smtClean="0"/>
-              <a:t>4EA</a:t>
-            </a:r>
-          </a:p>
-          <a:p>
-            <a:r>
-              <a:rPr lang="en-US" altLang="ko-KR" sz="2400" dirty="0"/>
-              <a:t> </a:t>
-            </a:r>
-            <a:r>
-              <a:rPr lang="en-US" altLang="ko-KR" sz="2400" dirty="0" smtClean="0"/>
-              <a:t>  bestproduct.html : </a:t>
-            </a:r>
-            <a:r>
-              <a:rPr lang="ko-KR" altLang="en-US" sz="2400" dirty="0" smtClean="0"/>
-              <a:t>인기상품 출력 </a:t>
-            </a:r>
-            <a:r>
-              <a:rPr lang="en-US" altLang="ko-KR" sz="2400" dirty="0" smtClean="0"/>
-              <a:t>(12</a:t>
-            </a:r>
-            <a:r>
-              <a:rPr lang="ko-KR" altLang="en-US" sz="2400" dirty="0" smtClean="0"/>
-              <a:t>개</a:t>
-            </a:r>
-            <a:r>
-              <a:rPr lang="en-US" altLang="ko-KR" sz="2400" dirty="0" smtClean="0"/>
-              <a:t>) – 1</a:t>
-            </a:r>
-            <a:r>
-              <a:rPr lang="ko-KR" altLang="en-US" sz="2400" dirty="0" smtClean="0"/>
-              <a:t>줄 </a:t>
-            </a:r>
-            <a:r>
-              <a:rPr lang="en-US" altLang="ko-KR" sz="2400" dirty="0" smtClean="0"/>
-              <a:t>4EA</a:t>
-            </a:r>
-          </a:p>
-          <a:p>
-            <a:r>
-              <a:rPr lang="en-US" altLang="ko-KR" sz="2400" dirty="0"/>
-              <a:t> </a:t>
-            </a:r>
-            <a:r>
-              <a:rPr lang="en-US" altLang="ko-KR" sz="2400" dirty="0" smtClean="0"/>
-              <a:t>  footer.html : </a:t>
-            </a:r>
-            <a:r>
-              <a:rPr lang="ko-KR" altLang="en-US" sz="2400" dirty="0" smtClean="0"/>
-              <a:t>쇼핑몰 정보 출력 및 </a:t>
-            </a:r>
-            <a:r>
-              <a:rPr lang="en-US" altLang="ko-KR" sz="2400" dirty="0" smtClean="0"/>
-              <a:t>Copyright</a:t>
-            </a:r>
-          </a:p>
-          <a:p>
-            <a:endParaRPr lang="en-US" altLang="ko-KR" sz="2400" dirty="0"/>
-          </a:p>
-          <a:p>
-            <a:endParaRPr lang="en-US" altLang="ko-KR" sz="2400" dirty="0" smtClean="0"/>
-          </a:p>
-          <a:p>
-            <a:pPr marL="457200" indent="-457200">
-              <a:buAutoNum type="arabicPeriod"/>
-            </a:pPr>
-            <a:r>
-              <a:rPr lang="ko-KR" altLang="en-US" sz="2400" dirty="0" smtClean="0"/>
-              <a:t>로고 클릭 시 메인페이지로 이동</a:t>
-            </a:r>
-            <a:endParaRPr lang="en-US" altLang="ko-KR" sz="2400" dirty="0" smtClean="0"/>
-          </a:p>
-          <a:p>
-            <a:pPr marL="457200" indent="-457200">
-              <a:buAutoNum type="arabicPeriod"/>
-            </a:pPr>
-            <a:r>
-              <a:rPr lang="ko-KR" altLang="en-US" sz="2400" dirty="0" smtClean="0"/>
-              <a:t>회사소개 </a:t>
-            </a:r>
-            <a:r>
-              <a:rPr lang="en-US" altLang="ko-KR" sz="2400" dirty="0" smtClean="0"/>
-              <a:t>~ </a:t>
-            </a:r>
-            <a:r>
-              <a:rPr lang="ko-KR" altLang="en-US" sz="2400" dirty="0" smtClean="0"/>
-              <a:t>고객센터</a:t>
-            </a:r>
-            <a:endParaRPr lang="en-US" altLang="ko-KR" sz="2400" dirty="0" smtClean="0"/>
-          </a:p>
-          <a:p>
-            <a:r>
-              <a:rPr lang="en-US" altLang="ko-KR" sz="2400" dirty="0" smtClean="0"/>
-              <a:t>   </a:t>
-            </a:r>
-          </a:p>
-          <a:p>
-            <a:r>
-              <a:rPr lang="en-US" altLang="ko-KR" sz="2400" dirty="0"/>
-              <a:t> </a:t>
-            </a:r>
-            <a:r>
-              <a:rPr lang="en-US" altLang="ko-KR" sz="2400" dirty="0" smtClean="0"/>
-              <a:t>  </a:t>
-            </a:r>
-            <a:endParaRPr lang="ko-KR" altLang="en-US" sz="2400" dirty="0"/>
-          </a:p>
-        </p:txBody>
-      </p:sp>
-    </p:spTree>
-    <p:extLst>
-      <p:ext uri="{BB962C8B-B14F-4D97-AF65-F5344CB8AC3E}">
-        <p14:creationId xmlns:p14="http://schemas.microsoft.com/office/powerpoint/2010/main" val="4253787688"/>
-      </p:ext>
-    </p:extLst>
-  </p:cSld>
-  <p:clrMapOvr>
-    <a:masterClrMapping/>
-  </p:clrMapOvr>
-</p:sld>
-</file>
-
-<file path=ppt/slides/slide26.xml><?xml version="1.0" encoding="utf-8"?>
-<p:sld xmlns:a="http://schemas.openxmlformats.org/drawingml/2006/main" xmlns:r="http://schemas.openxmlformats.org/officeDocument/2006/relationships" xmlns:p="http://schemas.openxmlformats.org/presentationml/2006/main">
-  <p:cSld>
-    <p:spTree>
-      <p:nvGrpSpPr>
-        <p:cNvPr id="1" name=""/>
-        <p:cNvGrpSpPr/>
-        <p:nvPr/>
-      </p:nvGrpSpPr>
-      <p:grpSpPr>
-        <a:xfrm>
-          <a:off x="0" y="0"/>
-          <a:ext cx="0" cy="0"/>
-          <a:chOff x="0" y="0"/>
-          <a:chExt cx="0" cy="0"/>
-        </a:xfrm>
-      </p:grpSpPr>
-      <p:sp>
-        <p:nvSpPr>
-          <p:cNvPr id="4" name="TextBox 3"/>
-          <p:cNvSpPr txBox="1"/>
-          <p:nvPr/>
-        </p:nvSpPr>
-        <p:spPr>
-          <a:xfrm>
-            <a:off x="152400" y="142875"/>
-            <a:ext cx="11696700" cy="5693866"/>
-          </a:xfrm>
-          <a:prstGeom prst="rect">
-            <a:avLst/>
-          </a:prstGeom>
-          <a:noFill/>
-        </p:spPr>
-        <p:txBody>
-          <a:bodyPr wrap="square" rtlCol="0">
-            <a:spAutoFit/>
-          </a:bodyPr>
-          <a:lstStyle/>
-          <a:p>
-            <a:r>
-              <a:rPr lang="ko-KR" altLang="en-US" sz="2800" dirty="0" smtClean="0"/>
-              <a:t>하단 카피라이터 회사소개 </a:t>
-            </a:r>
-            <a:r>
-              <a:rPr lang="en-US" altLang="ko-KR" sz="2800" dirty="0" smtClean="0"/>
-              <a:t>~ </a:t>
-            </a:r>
-            <a:r>
-              <a:rPr lang="ko-KR" altLang="en-US" sz="2800" dirty="0" smtClean="0"/>
-              <a:t>고객센터</a:t>
-            </a:r>
-            <a:endParaRPr lang="en-US" altLang="ko-KR" sz="2800" dirty="0" smtClean="0"/>
-          </a:p>
-          <a:p>
-            <a:endParaRPr lang="en-US" altLang="ko-KR" sz="2800" dirty="0"/>
-          </a:p>
-          <a:p>
-            <a:r>
-              <a:rPr lang="ko-KR" altLang="en-US" sz="2800" dirty="0" smtClean="0"/>
-              <a:t>회사소개 </a:t>
-            </a:r>
-            <a:r>
-              <a:rPr lang="en-US" altLang="ko-KR" sz="2800" dirty="0"/>
-              <a:t>: </a:t>
-            </a:r>
-            <a:r>
-              <a:rPr lang="en-US" altLang="ko-KR" sz="2800" dirty="0" smtClean="0"/>
-              <a:t>company.html</a:t>
-            </a:r>
-          </a:p>
-          <a:p>
-            <a:endParaRPr lang="en-US" altLang="ko-KR" sz="2800" dirty="0" smtClean="0"/>
-          </a:p>
-          <a:p>
-            <a:r>
-              <a:rPr lang="ko-KR" altLang="en-US" sz="2800" dirty="0" smtClean="0"/>
-              <a:t>이용약관 </a:t>
-            </a:r>
-            <a:r>
-              <a:rPr lang="en-US" altLang="ko-KR" sz="2800" dirty="0"/>
-              <a:t>: </a:t>
-            </a:r>
-            <a:r>
-              <a:rPr lang="en-US" altLang="ko-KR" sz="2800" dirty="0" smtClean="0"/>
-              <a:t>agreement.html</a:t>
-            </a:r>
-          </a:p>
-          <a:p>
-            <a:endParaRPr lang="en-US" altLang="ko-KR" sz="2800" dirty="0" smtClean="0"/>
-          </a:p>
-          <a:p>
-            <a:r>
-              <a:rPr lang="ko-KR" altLang="en-US" sz="2800" dirty="0" smtClean="0"/>
-              <a:t>개인정보처리방침 </a:t>
-            </a:r>
-            <a:r>
-              <a:rPr lang="en-US" altLang="ko-KR" sz="2800" dirty="0"/>
-              <a:t>: </a:t>
-            </a:r>
-            <a:r>
-              <a:rPr lang="en-US" altLang="ko-KR" sz="2800" dirty="0" smtClean="0"/>
-              <a:t>privacy.html</a:t>
-            </a:r>
-          </a:p>
-          <a:p>
-            <a:endParaRPr lang="en-US" altLang="ko-KR" sz="2800" dirty="0" smtClean="0"/>
-          </a:p>
-          <a:p>
-            <a:r>
-              <a:rPr lang="ko-KR" altLang="en-US" sz="2800" dirty="0" smtClean="0"/>
-              <a:t>이용안내 </a:t>
-            </a:r>
-            <a:r>
-              <a:rPr lang="en-US" altLang="ko-KR" sz="2800" dirty="0"/>
-              <a:t>: </a:t>
-            </a:r>
-            <a:r>
-              <a:rPr lang="en-US" altLang="ko-KR" sz="2800" dirty="0" smtClean="0"/>
-              <a:t>guide.html</a:t>
-            </a:r>
-          </a:p>
-          <a:p>
-            <a:endParaRPr lang="en-US" altLang="ko-KR" sz="2800" dirty="0" smtClean="0"/>
-          </a:p>
-          <a:p>
-            <a:r>
-              <a:rPr lang="ko-KR" altLang="en-US" sz="2800" dirty="0" err="1" smtClean="0"/>
-              <a:t>제휴안내</a:t>
-            </a:r>
-            <a:r>
-              <a:rPr lang="ko-KR" altLang="en-US" sz="2800" dirty="0" smtClean="0"/>
-              <a:t> </a:t>
-            </a:r>
-            <a:r>
-              <a:rPr lang="en-US" altLang="ko-KR" sz="2800" dirty="0" smtClean="0"/>
-              <a:t>: partnership.html</a:t>
-            </a:r>
-          </a:p>
-          <a:p>
-            <a:endParaRPr lang="en-US" altLang="ko-KR" sz="2800" dirty="0" smtClean="0"/>
-          </a:p>
-          <a:p>
-            <a:r>
-              <a:rPr lang="ko-KR" altLang="en-US" sz="2800" dirty="0" smtClean="0"/>
-              <a:t>고객센터 </a:t>
-            </a:r>
-            <a:r>
-              <a:rPr lang="en-US" altLang="ko-KR" sz="2800" dirty="0" smtClean="0"/>
-              <a:t>: cs.html</a:t>
-            </a:r>
-            <a:endParaRPr lang="en-US" altLang="ko-KR" sz="2800" dirty="0"/>
-          </a:p>
-        </p:txBody>
-      </p:sp>
-    </p:spTree>
-    <p:extLst>
-      <p:ext uri="{BB962C8B-B14F-4D97-AF65-F5344CB8AC3E}">
-        <p14:creationId xmlns:p14="http://schemas.microsoft.com/office/powerpoint/2010/main" val="1775461276"/>
-      </p:ext>
-    </p:extLst>
-  </p:cSld>
-  <p:clrMapOvr>
-    <a:masterClrMapping/>
-  </p:clrMapOvr>
 </p:sld>
 </file>
 
